--- a/Business Knowledge/Mobile Payments.pptx
+++ b/Business Knowledge/Mobile Payments.pptx
@@ -2964,7 +2964,7 @@
         </p:spPr>
         <p:txBody>
           <a:bodyPr>
-            <a:normAutofit lnSpcReduction="20000"/>
+            <a:normAutofit/>
           </a:bodyPr>
           <a:p>
             <a:pPr marL="0" indent="0">
@@ -2974,10 +2974,10 @@
               <a:buNone/>
             </a:pPr>
             <a:r>
-              <a:rPr lang="en-GB" altLang="en-US"/>
+              <a:rPr lang="en-GB" altLang="en-US" sz="2000"/>
               <a:t>Mobile Payments enabled users of mobile phone to make payments from anywhere in the world. </a:t>
             </a:r>
-            <a:endParaRPr lang="en-GB" altLang="en-US"/>
+            <a:endParaRPr lang="en-GB" altLang="en-US" sz="2000"/>
           </a:p>
           <a:p>
             <a:pPr marL="0" indent="0">
@@ -2986,7 +2986,7 @@
               </a:lnSpc>
               <a:buNone/>
             </a:pPr>
-            <a:endParaRPr lang="en-GB" altLang="en-US"/>
+            <a:endParaRPr lang="en-GB" altLang="en-US" sz="2000"/>
           </a:p>
           <a:p>
             <a:pPr marL="0" indent="0">
@@ -2996,10 +2996,34 @@
               <a:buNone/>
             </a:pPr>
             <a:r>
-              <a:rPr lang="en-GB" altLang="en-US"/>
-              <a:t>Mobile payments could be achieved through:</a:t>
-            </a:r>
-            <a:endParaRPr lang="en-GB" altLang="en-US"/>
+              <a:rPr lang="en-GB" altLang="en-US" sz="2000" b="1">
+                <a:solidFill>
+                  <a:srgbClr val="00B050"/>
+                </a:solidFill>
+                <a:sym typeface="+mn-ea"/>
+              </a:rPr>
+              <a:t>Clients worked for:</a:t>
+            </a:r>
+            <a:r>
+              <a:rPr lang="en-GB" altLang="en-US" sz="2000">
+                <a:sym typeface="+mn-ea"/>
+              </a:rPr>
+              <a:t> Monitise, Barclaycard</a:t>
+            </a:r>
+            <a:endParaRPr lang="en-GB" altLang="en-US" sz="2000"/>
+          </a:p>
+          <a:p>
+            <a:pPr marL="0" indent="0">
+              <a:lnSpc>
+                <a:spcPct val="100000"/>
+              </a:lnSpc>
+              <a:buNone/>
+            </a:pPr>
+            <a:r>
+              <a:rPr lang="en-GB" altLang="en-US" sz="2000"/>
+              <a:t>Monitise Mobile payments included:</a:t>
+            </a:r>
+            <a:endParaRPr lang="en-GB" altLang="en-US" sz="2000"/>
           </a:p>
           <a:p>
             <a:pPr marL="457200" indent="-457200">
@@ -3008,10 +3032,10 @@
               </a:lnSpc>
             </a:pPr>
             <a:r>
-              <a:rPr lang="en-GB" altLang="en-US"/>
+              <a:rPr lang="en-GB" altLang="en-US" sz="2000"/>
               <a:t>Peer to peer (P2P) payments</a:t>
             </a:r>
-            <a:endParaRPr lang="en-GB" altLang="en-US"/>
+            <a:endParaRPr lang="en-GB" altLang="en-US" sz="2000"/>
           </a:p>
           <a:p>
             <a:pPr marL="457200" indent="-457200">
@@ -3020,10 +3044,10 @@
               </a:lnSpc>
             </a:pPr>
             <a:r>
-              <a:rPr lang="en-GB" altLang="en-US"/>
+              <a:rPr lang="en-GB" altLang="en-US" sz="2000"/>
               <a:t>Mobile Contactless payments</a:t>
             </a:r>
-            <a:endParaRPr lang="en-GB" altLang="en-US"/>
+            <a:endParaRPr lang="en-GB" altLang="en-US" sz="2000"/>
           </a:p>
           <a:p>
             <a:pPr marL="457200" indent="-457200">
@@ -3032,10 +3056,10 @@
               </a:lnSpc>
             </a:pPr>
             <a:r>
-              <a:rPr lang="en-GB" altLang="en-US"/>
+              <a:rPr lang="en-GB" altLang="en-US" sz="2000"/>
               <a:t>Card Vault/Digital Wallet &amp; Mobile Commerce</a:t>
             </a:r>
-            <a:endParaRPr lang="en-GB" altLang="en-US"/>
+            <a:endParaRPr lang="en-GB" altLang="en-US" sz="2000"/>
           </a:p>
           <a:p>
             <a:pPr marL="457200" indent="-457200">
@@ -3044,10 +3068,10 @@
               </a:lnSpc>
             </a:pPr>
             <a:r>
-              <a:rPr lang="en-GB" altLang="en-US"/>
+              <a:rPr lang="en-GB" altLang="en-US" sz="2000"/>
               <a:t>Mobile Banking</a:t>
             </a:r>
-            <a:endParaRPr lang="en-GB" altLang="en-US"/>
+            <a:endParaRPr lang="en-GB" altLang="en-US" sz="2000"/>
           </a:p>
           <a:p>
             <a:pPr marL="457200" indent="-457200">
@@ -3056,10 +3080,41 @@
               </a:lnSpc>
             </a:pPr>
             <a:r>
-              <a:rPr lang="en-GB" altLang="en-US"/>
+              <a:rPr lang="en-GB" altLang="en-US" sz="2000"/>
               <a:t>Mobile Point Of Sale (mPos)</a:t>
             </a:r>
-            <a:endParaRPr lang="en-GB" altLang="en-US"/>
+            <a:endParaRPr lang="en-GB" altLang="en-US" sz="2000"/>
+          </a:p>
+          <a:p>
+            <a:pPr marL="0" indent="0">
+              <a:lnSpc>
+                <a:spcPct val="100000"/>
+              </a:lnSpc>
+              <a:buNone/>
+            </a:pPr>
+            <a:endParaRPr lang="en-GB" altLang="en-US" sz="2000"/>
+          </a:p>
+          <a:p>
+            <a:pPr marL="0" indent="0">
+              <a:lnSpc>
+                <a:spcPct val="100000"/>
+              </a:lnSpc>
+              <a:buNone/>
+            </a:pPr>
+            <a:r>
+              <a:rPr lang="en-GB" altLang="en-US" sz="2000"/>
+              <a:t>Barclaycard Contactless mobile payments using Near Field Communication (NFC)</a:t>
+            </a:r>
+            <a:endParaRPr lang="en-GB" altLang="en-US" sz="2000"/>
+          </a:p>
+          <a:p>
+            <a:pPr marL="0" indent="0">
+              <a:lnSpc>
+                <a:spcPct val="100000"/>
+              </a:lnSpc>
+              <a:buNone/>
+            </a:pPr>
+            <a:endParaRPr lang="en-GB" altLang="en-US" sz="2000"/>
           </a:p>
           <a:p>
             <a:pPr marL="457200" indent="-457200">
@@ -3067,7 +3122,7 @@
                 <a:spcPct val="100000"/>
               </a:lnSpc>
             </a:pPr>
-            <a:endParaRPr lang="en-GB" altLang="en-US"/>
+            <a:endParaRPr lang="en-GB" altLang="en-US" sz="2000"/>
           </a:p>
           <a:p>
             <a:pPr marL="0" indent="0">
@@ -3076,19 +3131,7 @@
               </a:lnSpc>
               <a:buNone/>
             </a:pPr>
-            <a:r>
-              <a:rPr lang="en-GB" altLang="en-US" b="1">
-                <a:solidFill>
-                  <a:srgbClr val="00B050"/>
-                </a:solidFill>
-              </a:rPr>
-              <a:t>Clients worked for:</a:t>
-            </a:r>
-            <a:r>
-              <a:rPr lang="en-GB" altLang="en-US"/>
-              <a:t> Monitise, Barclaycard</a:t>
-            </a:r>
-            <a:endParaRPr lang="en-GB" altLang="en-US"/>
+            <a:endParaRPr lang="en-GB" altLang="en-US" sz="2000"/>
           </a:p>
         </p:txBody>
       </p:sp>
